--- a/Lesson2-The meaning of the problem/Lesson2-The meaning of the problem.pptx
+++ b/Lesson2-The meaning of the problem/Lesson2-The meaning of the problem.pptx
@@ -5911,7 +5911,7 @@
           <a:p>
             <a:fld id="{1DD4402E-2714-4F60-8F6B-D0DE2235143B}" type="datetimeFigureOut">
               <a:rPr lang="el-GR" smtClean="0"/>
-              <a:t>7/2/2021</a:t>
+              <a:t>1/3/2021</a:t>
             </a:fld>
             <a:endParaRPr lang="el-GR"/>
           </a:p>
@@ -8167,7 +8167,7 @@
           <a:p>
             <a:fld id="{86F0BDD2-2FE9-4947-8A0F-347E40919148}" type="datetimeFigureOut">
               <a:rPr lang="el-GR" smtClean="0"/>
-              <a:t>7/2/2021</a:t>
+              <a:t>1/3/2021</a:t>
             </a:fld>
             <a:endParaRPr lang="el-GR"/>
           </a:p>
@@ -8477,7 +8477,7 @@
             <a:fld id="{86F0BDD2-2FE9-4947-8A0F-347E40919148}" type="datetimeFigureOut">
               <a:rPr lang="el-GR" smtClean="0"/>
               <a:pPr/>
-              <a:t>7/2/2021</a:t>
+              <a:t>1/3/2021</a:t>
             </a:fld>
             <a:endParaRPr lang="el-GR"/>
           </a:p>
@@ -8788,7 +8788,7 @@
           <a:p>
             <a:fld id="{86F0BDD2-2FE9-4947-8A0F-347E40919148}" type="datetimeFigureOut">
               <a:rPr lang="el-GR" smtClean="0"/>
-              <a:t>7/2/2021</a:t>
+              <a:t>1/3/2021</a:t>
             </a:fld>
             <a:endParaRPr lang="el-GR"/>
           </a:p>
@@ -9305,7 +9305,7 @@
             <a:fld id="{86F0BDD2-2FE9-4947-8A0F-347E40919148}" type="datetimeFigureOut">
               <a:rPr lang="el-GR" smtClean="0"/>
               <a:pPr/>
-              <a:t>7/2/2021</a:t>
+              <a:t>1/3/2021</a:t>
             </a:fld>
             <a:endParaRPr lang="el-GR">
               <a:latin typeface="Verdana" panose="020B0604030504040204" pitchFamily="34" charset="0"/>
@@ -9512,7 +9512,7 @@
             <a:fld id="{86F0BDD2-2FE9-4947-8A0F-347E40919148}" type="datetimeFigureOut">
               <a:rPr lang="el-GR" smtClean="0"/>
               <a:pPr/>
-              <a:t>7/2/2021</a:t>
+              <a:t>1/3/2021</a:t>
             </a:fld>
             <a:endParaRPr lang="el-GR" sz="1100"/>
           </a:p>
@@ -9660,7 +9660,7 @@
           <a:p>
             <a:fld id="{86F0BDD2-2FE9-4947-8A0F-347E40919148}" type="datetimeFigureOut">
               <a:rPr lang="el-GR" smtClean="0"/>
-              <a:t>7/2/2021</a:t>
+              <a:t>1/3/2021</a:t>
             </a:fld>
             <a:endParaRPr lang="el-GR"/>
           </a:p>
@@ -10022,7 +10022,7 @@
             <a:fld id="{86F0BDD2-2FE9-4947-8A0F-347E40919148}" type="datetimeFigureOut">
               <a:rPr lang="el-GR" smtClean="0"/>
               <a:pPr/>
-              <a:t>7/2/2021</a:t>
+              <a:t>1/3/2021</a:t>
             </a:fld>
             <a:endParaRPr lang="el-GR">
               <a:latin typeface="Verdana" panose="020B0604030504040204" pitchFamily="34" charset="0"/>
@@ -10373,7 +10373,7 @@
             <a:fld id="{86F0BDD2-2FE9-4947-8A0F-347E40919148}" type="datetimeFigureOut">
               <a:rPr lang="el-GR" smtClean="0"/>
               <a:pPr/>
-              <a:t>7/2/2021</a:t>
+              <a:t>1/3/2021</a:t>
             </a:fld>
             <a:endParaRPr lang="el-GR">
               <a:latin typeface="Verdana" panose="020B0604030504040204" pitchFamily="34" charset="0"/>
@@ -10697,7 +10697,7 @@
             <a:fld id="{86F0BDD2-2FE9-4947-8A0F-347E40919148}" type="datetimeFigureOut">
               <a:rPr lang="el-GR" smtClean="0"/>
               <a:pPr/>
-              <a:t>7/2/2021</a:t>
+              <a:t>1/3/2021</a:t>
             </a:fld>
             <a:endParaRPr lang="el-GR"/>
           </a:p>
@@ -11362,6 +11362,41 @@
           </a:p>
         </p:txBody>
       </p:sp>
+      <p:pic>
+        <p:nvPicPr>
+          <p:cNvPr id="7" name="Εικόνα 6">
+            <a:hlinkClick r:id="rId2"/>
+            <a:extLst>
+              <a:ext uri="{FF2B5EF4-FFF2-40B4-BE49-F238E27FC236}">
+                <a16:creationId xmlns:a16="http://schemas.microsoft.com/office/drawing/2014/main" id="{260CBCBD-06D9-4606-A929-8BE204154939}"/>
+              </a:ext>
+            </a:extLst>
+          </p:cNvPr>
+          <p:cNvPicPr/>
+          <p:nvPr/>
+        </p:nvPicPr>
+        <p:blipFill>
+          <a:blip r:embed="rId3">
+            <a:extLst>
+              <a:ext uri="{28A0092B-C50C-407E-A947-70E740481C1C}">
+                <a14:useLocalDpi xmlns:a14="http://schemas.microsoft.com/office/drawing/2010/main" val="0"/>
+              </a:ext>
+            </a:extLst>
+          </a:blip>
+          <a:stretch>
+            <a:fillRect/>
+          </a:stretch>
+        </p:blipFill>
+        <p:spPr>
+          <a:xfrm>
+            <a:off x="204148" y="6433996"/>
+            <a:ext cx="838200" cy="295275"/>
+          </a:xfrm>
+          <a:prstGeom prst="rect">
+            <a:avLst/>
+          </a:prstGeom>
+        </p:spPr>
+      </p:pic>
     </p:spTree>
     <p:extLst>
       <p:ext uri="{BB962C8B-B14F-4D97-AF65-F5344CB8AC3E}">
